--- a/PRESENTATIONS/2020-06-online-f2f/2020-06-22-F2F-Opening-McCool.pptx
+++ b/PRESENTATIONS/2020-06-online-f2f/2020-06-22-F2F-Opening-McCool.pptx
@@ -210,7 +210,7 @@
           <a:p>
             <a:fld id="{8389B5DD-0274-BF45-B4C5-62E173E8F634}" type="datetimeFigureOut">
               <a:rPr lang="en-US" smtClean="0"/>
-              <a:t>6/21/20</a:t>
+              <a:t>6/24/20</a:t>
             </a:fld>
             <a:endParaRPr lang="en-US"/>
           </a:p>
@@ -826,7 +826,7 @@
           <a:p>
             <a:fld id="{2F93E591-CC8D-C74E-8EED-098A7FB5E64D}" type="datetime1">
               <a:rPr lang="en-CA" smtClean="0"/>
-              <a:t>2020-06-21</a:t>
+              <a:t>2020-06-24</a:t>
             </a:fld>
             <a:endParaRPr lang="en-US"/>
           </a:p>
@@ -1094,7 +1094,7 @@
           <a:p>
             <a:fld id="{2E1BC118-574D-594E-ABEA-A7C82666C9AB}" type="datetime1">
               <a:rPr lang="en-CA" smtClean="0"/>
-              <a:t>2020-06-21</a:t>
+              <a:t>2020-06-24</a:t>
             </a:fld>
             <a:endParaRPr lang="en-US"/>
           </a:p>
@@ -1460,7 +1460,7 @@
           <a:p>
             <a:fld id="{B929AB1E-7FD9-0A40-B7C0-508CCACB3E9A}" type="datetime1">
               <a:rPr lang="en-CA" smtClean="0"/>
-              <a:t>2020-06-21</a:t>
+              <a:t>2020-06-24</a:t>
             </a:fld>
             <a:endParaRPr lang="en-US"/>
           </a:p>
@@ -1692,7 +1692,7 @@
           <a:p>
             <a:fld id="{5AE8723F-57EA-4C47-97B9-92AFDEEF85DC}" type="datetime1">
               <a:rPr lang="en-CA" smtClean="0"/>
-              <a:t>2020-06-21</a:t>
+              <a:t>2020-06-24</a:t>
             </a:fld>
             <a:endParaRPr lang="en-US"/>
           </a:p>
@@ -2022,7 +2022,7 @@
           <a:p>
             <a:fld id="{B2B00E5D-EC04-AA49-8D52-0FCB6E08F63D}" type="datetime1">
               <a:rPr lang="en-CA" smtClean="0"/>
-              <a:t>2020-06-21</a:t>
+              <a:t>2020-06-24</a:t>
             </a:fld>
             <a:endParaRPr lang="en-US"/>
           </a:p>
@@ -2495,7 +2495,7 @@
           <a:p>
             <a:fld id="{FF90905C-10FF-8047-AA7E-6DC7E8B6AF51}" type="datetime1">
               <a:rPr lang="en-CA" smtClean="0"/>
-              <a:t>2020-06-21</a:t>
+              <a:t>2020-06-24</a:t>
             </a:fld>
             <a:endParaRPr lang="en-US"/>
           </a:p>
@@ -2701,7 +2701,7 @@
           <a:p>
             <a:fld id="{D1CE86E2-4400-D342-BEEC-F9C1ADF6F9F7}" type="datetime1">
               <a:rPr lang="en-CA" smtClean="0"/>
-              <a:t>2020-06-21</a:t>
+              <a:t>2020-06-24</a:t>
             </a:fld>
             <a:endParaRPr lang="en-US"/>
           </a:p>
@@ -2871,7 +2871,7 @@
           <a:p>
             <a:fld id="{74358A08-7221-7F45-8378-69D5559861DD}" type="datetime1">
               <a:rPr lang="en-CA" smtClean="0"/>
-              <a:t>2020-06-21</a:t>
+              <a:t>2020-06-24</a:t>
             </a:fld>
             <a:endParaRPr lang="en-US"/>
           </a:p>
@@ -3243,7 +3243,7 @@
           <a:p>
             <a:fld id="{08C20FDB-303D-8A4E-83B7-226DD88B97BD}" type="datetime1">
               <a:rPr lang="en-CA" smtClean="0"/>
-              <a:t>2020-06-21</a:t>
+              <a:t>2020-06-24</a:t>
             </a:fld>
             <a:endParaRPr lang="en-US"/>
           </a:p>
@@ -3595,7 +3595,7 @@
           <a:p>
             <a:fld id="{0A9EBA37-9D18-D34A-A88D-1B00AA06E95C}" type="datetime1">
               <a:rPr lang="en-CA" smtClean="0"/>
-              <a:t>2020-06-21</a:t>
+              <a:t>2020-06-24</a:t>
             </a:fld>
             <a:endParaRPr lang="en-US"/>
           </a:p>
@@ -3935,7 +3935,7 @@
             <a:fld id="{B73A2E78-F38A-E046-ACDB-668F070D1EF6}" type="datetime1">
               <a:rPr lang="en-CA" smtClean="0"/>
               <a:pPr/>
-              <a:t>2020-06-21</a:t>
+              <a:t>2020-06-24</a:t>
             </a:fld>
             <a:endParaRPr lang="en-US" dirty="0"/>
           </a:p>
@@ -4569,22 +4569,27 @@
             <a:pPr lvl="1"/>
             <a:r>
               <a:rPr lang="en-US" dirty="0"/>
-              <a:t>2020-06-24 (W): </a:t>
+              <a:t>2020-06-24 (W): Profiles (1.8h), Lifecycle (0.8h)</a:t>
             </a:r>
           </a:p>
           <a:p>
             <a:pPr lvl="1"/>
             <a:r>
               <a:rPr lang="en-US" dirty="0"/>
-              <a:t>2020-06-25 (Th):</a:t>
+              <a:t>2020-06-25 (Th): Use Cases (1.7h), Requirements (1h)</a:t>
             </a:r>
           </a:p>
           <a:p>
             <a:pPr lvl="1"/>
             <a:r>
               <a:rPr lang="en-US" dirty="0"/>
-              <a:t>2020-06-26 (F):</a:t>
-            </a:r>
+              <a:t>2020-06-26 (F): </a:t>
+            </a:r>
+            <a:r>
+              <a:rPr lang="en-US"/>
+              <a:t>Thing Description (1.7h), Marketing (1h)</a:t>
+            </a:r>
+            <a:endParaRPr lang="en-US" dirty="0"/>
           </a:p>
           <a:p>
             <a:r>
@@ -4640,7 +4645,7 @@
           <a:p>
             <a:fld id="{BF92DA42-2970-1B4D-9C1F-77F249CD7467}" type="datetime1">
               <a:rPr lang="en-CA" smtClean="0"/>
-              <a:t>2020-06-21</a:t>
+              <a:t>2020-06-24</a:t>
             </a:fld>
             <a:endParaRPr lang="en-US"/>
           </a:p>
@@ -4823,6 +4828,19 @@
               <a:t>Results will be discussed in Use Case meeting and during F2F this Thursday</a:t>
             </a:r>
           </a:p>
+          <a:p>
+            <a:r>
+              <a:rPr lang="en-US" dirty="0"/>
+              <a:t>Bug Fixes</a:t>
+            </a:r>
+          </a:p>
+          <a:p>
+            <a:pPr lvl="1"/>
+            <a:r>
+              <a:rPr lang="en-US" dirty="0"/>
+              <a:t>Typo in TD</a:t>
+            </a:r>
+          </a:p>
         </p:txBody>
       </p:sp>
       <p:sp>
@@ -4905,7 +4923,7 @@
           <a:p>
             <a:fld id="{B929AB1E-7FD9-0A40-B7C0-508CCACB3E9A}" type="datetime1">
               <a:rPr lang="en-CA" smtClean="0"/>
-              <a:t>2020-06-21</a:t>
+              <a:t>2020-06-24</a:t>
             </a:fld>
             <a:endParaRPr lang="en-US"/>
           </a:p>
